--- a/results/Graphics.pptx
+++ b/results/Graphics.pptx
@@ -113,7 +113,7 @@
   </p:defaultTextStyle>
   <p:extLst>
     <p:ext uri="{EFAFB233-063F-42B5-8137-9DF3F51BA10A}">
-      <p15:sldGuideLst xmlns:p15="http://schemas.microsoft.com/office/powerpoint/2012/main" xmlns="">
+      <p15:sldGuideLst xmlns="" xmlns:p15="http://schemas.microsoft.com/office/powerpoint/2012/main">
         <p15:guide id="1" orient="horz" pos="2160">
           <p15:clr>
             <a:srgbClr val="A4A3A4"/>
@@ -9157,21 +9157,7 @@
                 <a:latin typeface="Calibri"/>
                 <a:cs typeface="Calibri"/>
               </a:rPr>
-              <a:t>Red/Blue </a:t>
-            </a:r>
-            <a:r>
-              <a:rPr lang="en-US" sz="2000" b="1" dirty="0" smtClean="0">
-                <a:latin typeface="Calibri"/>
-                <a:cs typeface="Calibri"/>
-              </a:rPr>
-              <a:t>Term Frequency </a:t>
-            </a:r>
-            <a:r>
-              <a:rPr lang="en-US" sz="2000" b="1" dirty="0" smtClean="0">
-                <a:latin typeface="Calibri"/>
-                <a:cs typeface="Calibri"/>
-              </a:rPr>
-              <a:t>Spectrum</a:t>
+              <a:t>Red/Blue Term Frequency Spectrum</a:t>
             </a:r>
             <a:endParaRPr lang="en-US" sz="2000" b="1" dirty="0">
               <a:latin typeface="Calibri"/>
